--- a/Courses/Computer-Modeling-and-IT/Computer-Modeling-and-IT-5-Class/14-Insert-Text-Into-a-Graphic-Image/14-Insert-Text-Into-a-Graphic-Image.pptx
+++ b/Courses/Computer-Modeling-and-IT/Computer-Modeling-and-IT-5-Class/14-Insert-Text-Into-a-Graphic-Image/14-Insert-Text-Into-a-Graphic-Image.pptx
@@ -5,10 +5,10 @@
     <p:sldMasterId id="2147483675" r:id="rId1"/>
   </p:sldMasterIdLst>
   <p:notesMasterIdLst>
-    <p:notesMasterId r:id="rId14"/>
+    <p:notesMasterId r:id="rId17"/>
   </p:notesMasterIdLst>
   <p:handoutMasterIdLst>
-    <p:handoutMasterId r:id="rId15"/>
+    <p:handoutMasterId r:id="rId18"/>
   </p:handoutMasterIdLst>
   <p:sldIdLst>
     <p:sldId id="503" r:id="rId2"/>
@@ -20,9 +20,12 @@
     <p:sldId id="607" r:id="rId8"/>
     <p:sldId id="608" r:id="rId9"/>
     <p:sldId id="609" r:id="rId10"/>
-    <p:sldId id="602" r:id="rId11"/>
-    <p:sldId id="504" r:id="rId12"/>
-    <p:sldId id="505" r:id="rId13"/>
+    <p:sldId id="610" r:id="rId11"/>
+    <p:sldId id="611" r:id="rId12"/>
+    <p:sldId id="612" r:id="rId13"/>
+    <p:sldId id="602" r:id="rId14"/>
+    <p:sldId id="504" r:id="rId15"/>
+    <p:sldId id="505" r:id="rId16"/>
   </p:sldIdLst>
   <p:sldSz cx="12192000" cy="6858000"/>
   <p:notesSz cx="6858000" cy="9144000"/>
@@ -141,6 +144,13 @@
             <p14:sldId id="609"/>
           </p14:sldIdLst>
         </p14:section>
+        <p14:section name="Untitled Section" id="{D6E0C3B7-6189-4FE0-84D5-47362341561A}">
+          <p14:sldIdLst>
+            <p14:sldId id="610"/>
+            <p14:sldId id="611"/>
+            <p14:sldId id="612"/>
+          </p14:sldIdLst>
+        </p14:section>
         <p14:section name="Заключение" id="{E19D07F1-86E2-47E9-B2AB-7ADC4F89DC12}">
           <p14:sldIdLst>
             <p14:sldId id="602"/>
@@ -265,7 +275,7 @@
           <a:p>
             <a:fld id="{4E087215-0C8F-4762-A664-737A353EC9A4}" type="datetimeFigureOut">
               <a:rPr lang="bg-BG" smtClean="0"/>
-              <a:t>15.11.2023 г.</a:t>
+              <a:t>16.11.2023 г.</a:t>
             </a:fld>
             <a:endParaRPr lang="bg-BG"/>
           </a:p>
@@ -461,7 +471,7 @@
           <a:p>
             <a:fld id="{72D84649-876A-46C9-8472-14CB09C070D8}" type="datetimeFigureOut">
               <a:rPr lang="en-US" smtClean="0"/>
-              <a:t>11/15/2023</a:t>
+              <a:t>11/16/2023</a:t>
             </a:fld>
             <a:endParaRPr lang="en-US"/>
           </a:p>
@@ -1246,7 +1256,7 @@
             <a:fld id="{3EBA5BD7-F043-4D1B-AA17-CD412FC534DE}" type="slidenum">
               <a:rPr lang="en-US" smtClean="0"/>
               <a:pPr/>
-              <a:t>10</a:t>
+              <a:t>13</a:t>
             </a:fld>
             <a:endParaRPr lang="en-US" dirty="0"/>
           </a:p>
@@ -1437,7 +1447,7 @@
             <a:fld id="{3EBA5BD7-F043-4D1B-AA17-CD412FC534DE}" type="slidenum">
               <a:rPr lang="en-US" smtClean="0"/>
               <a:pPr/>
-              <a:t>11</a:t>
+              <a:t>14</a:t>
             </a:fld>
             <a:endParaRPr lang="en-US" dirty="0"/>
           </a:p>
@@ -1667,7 +1677,7 @@
             <a:fld id="{3EBA5BD7-F043-4D1B-AA17-CD412FC534DE}" type="slidenum">
               <a:rPr lang="en-US" smtClean="0"/>
               <a:pPr/>
-              <a:t>12</a:t>
+              <a:t>15</a:t>
             </a:fld>
             <a:endParaRPr lang="en-US" dirty="0"/>
           </a:p>
@@ -4201,7 +4211,7 @@
             <a:fld id="{055373AC-9AA7-423B-BA00-BA1C74164DBD}" type="datetime1">
               <a:rPr lang="en-US" smtClean="0"/>
               <a:pPr/>
-              <a:t>11/15/2023</a:t>
+              <a:t>11/16/2023</a:t>
             </a:fld>
             <a:endParaRPr lang="en-US" dirty="0"/>
           </a:p>
@@ -7947,6 +7957,2086 @@
       </p:grpSpPr>
       <p:sp>
         <p:nvSpPr>
+          <p:cNvPr id="3" name="Title 2"/>
+          <p:cNvSpPr>
+            <a:spLocks noGrp="1"/>
+          </p:cNvSpPr>
+          <p:nvPr>
+            <p:ph type="title" sz="quarter" idx="10"/>
+          </p:nvPr>
+        </p:nvSpPr>
+        <p:spPr>
+          <a:xfrm>
+            <a:off x="615109" y="4704824"/>
+            <a:ext cx="10961783" cy="1694175"/>
+          </a:xfrm>
+        </p:spPr>
+        <p:txBody>
+          <a:bodyPr/>
+          <a:lstStyle/>
+          <a:p>
+            <a:r>
+              <a:rPr lang="bg-BG" dirty="0"/>
+              <a:t>Пробразуване на графично </a:t>
+            </a:r>
+            <a:r>
+              <a:rPr lang="bg-BG" dirty="0" smtClean="0"/>
+              <a:t>изображение</a:t>
+            </a:r>
+            <a:endParaRPr lang="en-US" dirty="0"/>
+          </a:p>
+        </p:txBody>
+      </p:sp>
+      <p:sp>
+        <p:nvSpPr>
+          <p:cNvPr id="6" name="Isosceles Triangle 5"/>
+          <p:cNvSpPr/>
+          <p:nvPr/>
+        </p:nvSpPr>
+        <p:spPr bwMode="auto">
+          <a:xfrm>
+            <a:off x="4986150" y="2320471"/>
+            <a:ext cx="2295000" cy="1468529"/>
+          </a:xfrm>
+          <a:prstGeom prst="triangle">
+            <a:avLst/>
+          </a:prstGeom>
+          <a:solidFill>
+            <a:schemeClr val="accent1">
+              <a:alpha val="80000"/>
+            </a:schemeClr>
+          </a:solidFill>
+          <a:ln w="19050">
+            <a:solidFill>
+              <a:schemeClr val="bg1">
+                <a:alpha val="80000"/>
+              </a:schemeClr>
+            </a:solidFill>
+          </a:ln>
+          <a:effectLst/>
+        </p:spPr>
+        <p:style>
+          <a:lnRef idx="2">
+            <a:schemeClr val="accent1">
+              <a:shade val="50000"/>
+            </a:schemeClr>
+          </a:lnRef>
+          <a:fillRef idx="1001">
+            <a:schemeClr val="dk2"/>
+          </a:fillRef>
+          <a:effectRef idx="0">
+            <a:schemeClr val="accent1"/>
+          </a:effectRef>
+          <a:fontRef idx="minor">
+            <a:schemeClr val="lt1"/>
+          </a:fontRef>
+        </p:style>
+        <p:txBody>
+          <a:bodyPr rot="0" spcFirstLastPara="0" vertOverflow="overflow" horzOverflow="overflow" vert="horz" wrap="square" lIns="91440" tIns="45720" rIns="91440" bIns="45720" numCol="1" spcCol="0" rtlCol="0" fromWordArt="0" anchor="ctr" anchorCtr="0" forceAA="0" compatLnSpc="1">
+            <a:prstTxWarp prst="textNoShape">
+              <a:avLst/>
+            </a:prstTxWarp>
+            <a:noAutofit/>
+          </a:bodyPr>
+          <a:lstStyle/>
+          <a:p>
+            <a:pPr algn="ctr"/>
+            <a:r>
+              <a:rPr lang="en-US" sz="2800" b="1" dirty="0" smtClean="0">
+                <a:solidFill>
+                  <a:srgbClr val="FFFFFF"/>
+                </a:solidFill>
+                <a:effectLst>
+                  <a:outerShdw blurRad="38100" dist="38100" dir="2700000" algn="tl">
+                    <a:srgbClr val="000000">
+                      <a:alpha val="43137"/>
+                    </a:srgbClr>
+                  </a:outerShdw>
+                </a:effectLst>
+              </a:rPr>
+              <a:t>Lorem</a:t>
+            </a:r>
+            <a:endParaRPr lang="en-US" sz="2800" b="1" dirty="0">
+              <a:solidFill>
+                <a:srgbClr val="FFFFFF"/>
+              </a:solidFill>
+              <a:effectLst>
+                <a:outerShdw blurRad="38100" dist="38100" dir="2700000" algn="tl">
+                  <a:srgbClr val="000000">
+                    <a:alpha val="43137"/>
+                  </a:srgbClr>
+                </a:outerShdw>
+              </a:effectLst>
+            </a:endParaRPr>
+          </a:p>
+        </p:txBody>
+      </p:sp>
+      <p:sp>
+        <p:nvSpPr>
+          <p:cNvPr id="8" name="Isosceles Triangle 7"/>
+          <p:cNvSpPr/>
+          <p:nvPr/>
+        </p:nvSpPr>
+        <p:spPr bwMode="auto">
+          <a:xfrm flipV="1">
+            <a:off x="4986150" y="1465471"/>
+            <a:ext cx="2295000" cy="1468529"/>
+          </a:xfrm>
+          <a:prstGeom prst="triangle">
+            <a:avLst/>
+          </a:prstGeom>
+          <a:solidFill>
+            <a:schemeClr val="accent1">
+              <a:alpha val="80000"/>
+            </a:schemeClr>
+          </a:solidFill>
+          <a:ln w="19050">
+            <a:solidFill>
+              <a:schemeClr val="bg1">
+                <a:alpha val="80000"/>
+              </a:schemeClr>
+            </a:solidFill>
+          </a:ln>
+          <a:effectLst/>
+        </p:spPr>
+        <p:style>
+          <a:lnRef idx="2">
+            <a:schemeClr val="accent1">
+              <a:shade val="50000"/>
+            </a:schemeClr>
+          </a:lnRef>
+          <a:fillRef idx="1001">
+            <a:schemeClr val="dk2"/>
+          </a:fillRef>
+          <a:effectRef idx="0">
+            <a:schemeClr val="accent1"/>
+          </a:effectRef>
+          <a:fontRef idx="minor">
+            <a:schemeClr val="lt1"/>
+          </a:fontRef>
+        </p:style>
+        <p:txBody>
+          <a:bodyPr rot="0" spcFirstLastPara="0" vertOverflow="overflow" horzOverflow="overflow" vert="horz" wrap="square" lIns="91440" tIns="45720" rIns="91440" bIns="45720" numCol="1" spcCol="0" rtlCol="0" fromWordArt="0" anchor="ctr" anchorCtr="0" forceAA="0" compatLnSpc="1">
+            <a:prstTxWarp prst="textNoShape">
+              <a:avLst/>
+            </a:prstTxWarp>
+            <a:noAutofit/>
+          </a:bodyPr>
+          <a:lstStyle/>
+          <a:p>
+            <a:pPr algn="ctr"/>
+            <a:r>
+              <a:rPr lang="en-US" sz="2800" b="1" dirty="0" smtClean="0">
+                <a:solidFill>
+                  <a:srgbClr val="FFFFFF"/>
+                </a:solidFill>
+                <a:effectLst>
+                  <a:outerShdw blurRad="38100" dist="38100" dir="2700000" algn="tl">
+                    <a:srgbClr val="000000">
+                      <a:alpha val="43137"/>
+                    </a:srgbClr>
+                  </a:outerShdw>
+                </a:effectLst>
+              </a:rPr>
+              <a:t>Lorem</a:t>
+            </a:r>
+            <a:endParaRPr lang="en-US" sz="2800" b="1" dirty="0">
+              <a:solidFill>
+                <a:srgbClr val="FFFFFF"/>
+              </a:solidFill>
+              <a:effectLst>
+                <a:outerShdw blurRad="38100" dist="38100" dir="2700000" algn="tl">
+                  <a:srgbClr val="000000">
+                    <a:alpha val="43137"/>
+                  </a:srgbClr>
+                </a:outerShdw>
+              </a:effectLst>
+            </a:endParaRPr>
+          </a:p>
+        </p:txBody>
+      </p:sp>
+    </p:spTree>
+    <p:extLst>
+      <p:ext uri="{BB962C8B-B14F-4D97-AF65-F5344CB8AC3E}">
+        <p14:creationId xmlns:p14="http://schemas.microsoft.com/office/powerpoint/2010/main" val="4186724212"/>
+      </p:ext>
+    </p:extLst>
+  </p:cSld>
+  <p:clrMapOvr>
+    <a:masterClrMapping/>
+  </p:clrMapOvr>
+  <mc:AlternateContent xmlns:mc="http://schemas.openxmlformats.org/markup-compatibility/2006" xmlns:p14="http://schemas.microsoft.com/office/powerpoint/2010/main">
+    <mc:Choice Requires="p14">
+      <p:transition spd="slow" p14:dur="2000" advClick="0" advTm="5000"/>
+    </mc:Choice>
+    <mc:Fallback xmlns="">
+      <p:transition spd="slow" advClick="0" advTm="5000"/>
+    </mc:Fallback>
+  </mc:AlternateContent>
+  <p:timing>
+    <p:tnLst>
+      <p:par>
+        <p:cTn id="1" dur="indefinite" restart="never" nodeType="tmRoot"/>
+      </p:par>
+    </p:tnLst>
+  </p:timing>
+</p:sld>
+</file>
+
+<file path=ppt/slides/slide11.xml><?xml version="1.0" encoding="utf-8"?>
+<p:sld xmlns:a="http://schemas.openxmlformats.org/drawingml/2006/main" xmlns:r="http://schemas.openxmlformats.org/officeDocument/2006/relationships" xmlns:p="http://schemas.openxmlformats.org/presentationml/2006/main">
+  <p:cSld>
+    <p:spTree>
+      <p:nvGrpSpPr>
+        <p:cNvPr id="1" name=""/>
+        <p:cNvGrpSpPr/>
+        <p:nvPr/>
+      </p:nvGrpSpPr>
+      <p:grpSpPr>
+        <a:xfrm>
+          <a:off x="0" y="0"/>
+          <a:ext cx="0" cy="0"/>
+          <a:chOff x="0" y="0"/>
+          <a:chExt cx="0" cy="0"/>
+        </a:xfrm>
+      </p:grpSpPr>
+      <p:sp>
+        <p:nvSpPr>
+          <p:cNvPr id="5" name="Text Placeholder 4"/>
+          <p:cNvSpPr>
+            <a:spLocks noGrp="1"/>
+          </p:cNvSpPr>
+          <p:nvPr>
+            <p:ph type="body" sz="quarter" idx="10"/>
+          </p:nvPr>
+        </p:nvSpPr>
+        <p:spPr>
+          <a:xfrm>
+            <a:off x="190402" y="1196125"/>
+            <a:ext cx="11890598" cy="5528766"/>
+          </a:xfrm>
+        </p:spPr>
+        <p:txBody>
+          <a:bodyPr>
+            <a:normAutofit lnSpcReduction="10000"/>
+          </a:bodyPr>
+          <a:lstStyle/>
+          <a:p>
+            <a:r>
+              <a:rPr lang="bg-BG" dirty="0" smtClean="0"/>
+              <a:t>Бутонът за </a:t>
+            </a:r>
+            <a:r>
+              <a:rPr lang="bg-BG" b="1" dirty="0" smtClean="0"/>
+              <a:t>завъртане на изображение </a:t>
+            </a:r>
+            <a:r>
+              <a:rPr lang="bg-BG" dirty="0" smtClean="0"/>
+              <a:t>се намира в </a:t>
+            </a:r>
+            <a:r>
+              <a:rPr lang="bg-BG" b="1" dirty="0" smtClean="0"/>
+              <a:t>панела </a:t>
+            </a:r>
+            <a:r>
+              <a:rPr lang="en-US" b="1" dirty="0" smtClean="0">
+                <a:solidFill>
+                  <a:schemeClr val="bg1"/>
+                </a:solidFill>
+              </a:rPr>
+              <a:t>Image</a:t>
+            </a:r>
+            <a:r>
+              <a:rPr lang="bg-BG" b="1" dirty="0" smtClean="0"/>
+              <a:t> </a:t>
+            </a:r>
+            <a:endParaRPr lang="en-US" b="1" dirty="0" smtClean="0"/>
+          </a:p>
+          <a:p>
+            <a:r>
+              <a:rPr lang="bg-BG" dirty="0" smtClean="0"/>
+              <a:t>За да завъртите желаното от вас изображение, трябва да го </a:t>
+            </a:r>
+            <a:r>
+              <a:rPr lang="bg-BG" b="1" dirty="0" smtClean="0"/>
+              <a:t>селектирате</a:t>
+            </a:r>
+          </a:p>
+          <a:p>
+            <a:r>
+              <a:rPr lang="en-US" dirty="0" smtClean="0"/>
+              <a:t>Rotate </a:t>
+            </a:r>
+            <a:r>
+              <a:rPr lang="en-US" b="1" dirty="0" smtClean="0"/>
+              <a:t>right 90°</a:t>
+            </a:r>
+            <a:endParaRPr lang="bg-BG" b="1" dirty="0" smtClean="0"/>
+          </a:p>
+          <a:p>
+            <a:r>
+              <a:rPr lang="en-US" dirty="0" smtClean="0"/>
+              <a:t>Rotate </a:t>
+            </a:r>
+            <a:r>
+              <a:rPr lang="en-US" b="1" dirty="0" smtClean="0"/>
+              <a:t>left 90°</a:t>
+            </a:r>
+            <a:r>
+              <a:rPr lang="bg-BG" b="1" dirty="0" smtClean="0"/>
+              <a:t> </a:t>
+            </a:r>
+          </a:p>
+          <a:p>
+            <a:r>
+              <a:rPr lang="en-US" dirty="0" smtClean="0"/>
+              <a:t>Rotate </a:t>
+            </a:r>
+            <a:r>
+              <a:rPr lang="bg-BG" b="1" dirty="0" smtClean="0"/>
+              <a:t>18</a:t>
+            </a:r>
+            <a:r>
+              <a:rPr lang="en-US" b="1" dirty="0" smtClean="0"/>
+              <a:t>0°</a:t>
+            </a:r>
+            <a:endParaRPr lang="bg-BG" b="1" dirty="0" smtClean="0"/>
+          </a:p>
+          <a:p>
+            <a:r>
+              <a:rPr lang="en-US" b="1" dirty="0" smtClean="0"/>
+              <a:t>Flip vertical</a:t>
+            </a:r>
+          </a:p>
+          <a:p>
+            <a:r>
+              <a:rPr lang="en-US" b="1" dirty="0" smtClean="0"/>
+              <a:t>Flip horizontal</a:t>
+            </a:r>
+            <a:endParaRPr lang="bg-BG" b="1" dirty="0"/>
+          </a:p>
+          <a:p>
+            <a:endParaRPr lang="bg-BG" dirty="0" smtClean="0"/>
+          </a:p>
+          <a:p>
+            <a:endParaRPr lang="en-US" dirty="0"/>
+          </a:p>
+        </p:txBody>
+      </p:sp>
+      <p:sp>
+        <p:nvSpPr>
+          <p:cNvPr id="4" name="Title 3"/>
+          <p:cNvSpPr>
+            <a:spLocks noGrp="1"/>
+          </p:cNvSpPr>
+          <p:nvPr>
+            <p:ph type="title"/>
+          </p:nvPr>
+        </p:nvSpPr>
+        <p:spPr/>
+        <p:txBody>
+          <a:bodyPr/>
+          <a:lstStyle/>
+          <a:p>
+            <a:r>
+              <a:rPr lang="bg-BG" dirty="0" smtClean="0"/>
+              <a:t>Завъртане и обръщане на изображение</a:t>
+            </a:r>
+            <a:endParaRPr lang="en-US" dirty="0"/>
+          </a:p>
+        </p:txBody>
+      </p:sp>
+      <p:grpSp>
+        <p:nvGrpSpPr>
+          <p:cNvPr id="13" name="Group 12"/>
+          <p:cNvGrpSpPr/>
+          <p:nvPr/>
+        </p:nvGrpSpPr>
+        <p:grpSpPr>
+          <a:xfrm>
+            <a:off x="4988201" y="3797100"/>
+            <a:ext cx="2301523" cy="2250000"/>
+            <a:chOff x="4988201" y="3797100"/>
+            <a:chExt cx="2301523" cy="2250000"/>
+          </a:xfrm>
+        </p:grpSpPr>
+        <p:sp>
+          <p:nvSpPr>
+            <p:cNvPr id="6" name="Trapezoid 5"/>
+            <p:cNvSpPr/>
+            <p:nvPr/>
+          </p:nvSpPr>
+          <p:spPr bwMode="auto">
+            <a:xfrm>
+              <a:off x="4988201" y="3797100"/>
+              <a:ext cx="2295000" cy="2250000"/>
+            </a:xfrm>
+            <a:prstGeom prst="trapezoid">
+              <a:avLst/>
+            </a:prstGeom>
+            <a:solidFill>
+              <a:schemeClr val="dk2">
+                <a:alpha val="80000"/>
+              </a:schemeClr>
+            </a:solidFill>
+            <a:ln w="19050">
+              <a:solidFill>
+                <a:schemeClr val="tx1">
+                  <a:lumMod val="75000"/>
+                  <a:alpha val="80000"/>
+                </a:schemeClr>
+              </a:solidFill>
+            </a:ln>
+            <a:effectLst/>
+          </p:spPr>
+          <p:style>
+            <a:lnRef idx="2">
+              <a:schemeClr val="accent1">
+                <a:shade val="50000"/>
+              </a:schemeClr>
+            </a:lnRef>
+            <a:fillRef idx="1001">
+              <a:schemeClr val="dk2"/>
+            </a:fillRef>
+            <a:effectRef idx="0">
+              <a:schemeClr val="accent1"/>
+            </a:effectRef>
+            <a:fontRef idx="minor">
+              <a:schemeClr val="lt1"/>
+            </a:fontRef>
+          </p:style>
+          <p:txBody>
+            <a:bodyPr rot="0" spcFirstLastPara="0" vertOverflow="overflow" horzOverflow="overflow" vert="horz" wrap="square" lIns="91440" tIns="45720" rIns="91440" bIns="45720" numCol="1" spcCol="0" rtlCol="0" fromWordArt="0" anchor="ctr" anchorCtr="0" forceAA="0" compatLnSpc="1">
+              <a:prstTxWarp prst="textNoShape">
+                <a:avLst/>
+              </a:prstTxWarp>
+              <a:noAutofit/>
+            </a:bodyPr>
+            <a:lstStyle/>
+            <a:p>
+              <a:pPr algn="ctr"/>
+              <a:endParaRPr lang="en-US" sz="2800" b="1" dirty="0">
+                <a:solidFill>
+                  <a:srgbClr val="FFFFFF"/>
+                </a:solidFill>
+                <a:effectLst>
+                  <a:outerShdw blurRad="38100" dist="38100" dir="2700000" algn="tl">
+                    <a:srgbClr val="000000">
+                      <a:alpha val="43137"/>
+                    </a:srgbClr>
+                  </a:outerShdw>
+                </a:effectLst>
+              </a:endParaRPr>
+            </a:p>
+          </p:txBody>
+        </p:sp>
+        <p:sp>
+          <p:nvSpPr>
+            <p:cNvPr id="12" name="Isosceles Triangle 11"/>
+            <p:cNvSpPr/>
+            <p:nvPr/>
+          </p:nvSpPr>
+          <p:spPr bwMode="auto">
+            <a:xfrm>
+              <a:off x="6794724" y="5476500"/>
+              <a:ext cx="495000" cy="570600"/>
+            </a:xfrm>
+            <a:prstGeom prst="triangle">
+              <a:avLst>
+                <a:gd name="adj" fmla="val 68473"/>
+              </a:avLst>
+            </a:prstGeom>
+            <a:solidFill>
+              <a:schemeClr val="dk2">
+                <a:alpha val="80000"/>
+              </a:schemeClr>
+            </a:solidFill>
+            <a:ln w="19050">
+              <a:solidFill>
+                <a:schemeClr val="tx1">
+                  <a:lumMod val="75000"/>
+                  <a:alpha val="80000"/>
+                </a:schemeClr>
+              </a:solidFill>
+            </a:ln>
+            <a:effectLst/>
+          </p:spPr>
+          <p:style>
+            <a:lnRef idx="2">
+              <a:schemeClr val="accent1">
+                <a:shade val="50000"/>
+              </a:schemeClr>
+            </a:lnRef>
+            <a:fillRef idx="1001">
+              <a:schemeClr val="dk2"/>
+            </a:fillRef>
+            <a:effectRef idx="0">
+              <a:schemeClr val="accent1"/>
+            </a:effectRef>
+            <a:fontRef idx="minor">
+              <a:schemeClr val="lt1"/>
+            </a:fontRef>
+          </p:style>
+          <p:txBody>
+            <a:bodyPr rot="0" spcFirstLastPara="0" vertOverflow="overflow" horzOverflow="overflow" vert="horz" wrap="square" lIns="91440" tIns="45720" rIns="91440" bIns="45720" numCol="1" spcCol="0" rtlCol="0" fromWordArt="0" anchor="ctr" anchorCtr="0" forceAA="0" compatLnSpc="1">
+              <a:prstTxWarp prst="textNoShape">
+                <a:avLst/>
+              </a:prstTxWarp>
+              <a:noAutofit/>
+            </a:bodyPr>
+            <a:lstStyle/>
+            <a:p>
+              <a:pPr algn="ctr"/>
+              <a:endParaRPr lang="en-US" sz="2800" b="1" dirty="0">
+                <a:solidFill>
+                  <a:srgbClr val="FFFFFF"/>
+                </a:solidFill>
+                <a:effectLst>
+                  <a:outerShdw blurRad="38100" dist="38100" dir="2700000" algn="tl">
+                    <a:srgbClr val="000000">
+                      <a:alpha val="43137"/>
+                    </a:srgbClr>
+                  </a:outerShdw>
+                </a:effectLst>
+              </a:endParaRPr>
+            </a:p>
+          </p:txBody>
+        </p:sp>
+      </p:grpSp>
+      <p:grpSp>
+        <p:nvGrpSpPr>
+          <p:cNvPr id="20" name="Group 19"/>
+          <p:cNvGrpSpPr/>
+          <p:nvPr/>
+        </p:nvGrpSpPr>
+        <p:grpSpPr>
+          <a:xfrm>
+            <a:off x="8744477" y="3797100"/>
+            <a:ext cx="2256523" cy="2295000"/>
+            <a:chOff x="8744477" y="3797100"/>
+            <a:chExt cx="2256523" cy="2295000"/>
+          </a:xfrm>
+        </p:grpSpPr>
+        <p:sp>
+          <p:nvSpPr>
+            <p:cNvPr id="7" name="Trapezoid 6"/>
+            <p:cNvSpPr/>
+            <p:nvPr/>
+          </p:nvSpPr>
+          <p:spPr bwMode="auto">
+            <a:xfrm rot="5400000">
+              <a:off x="8728500" y="3819600"/>
+              <a:ext cx="2295000" cy="2250000"/>
+            </a:xfrm>
+            <a:prstGeom prst="trapezoid">
+              <a:avLst/>
+            </a:prstGeom>
+            <a:solidFill>
+              <a:schemeClr val="dk2">
+                <a:alpha val="80000"/>
+              </a:schemeClr>
+            </a:solidFill>
+            <a:ln w="19050">
+              <a:solidFill>
+                <a:schemeClr val="tx1">
+                  <a:lumMod val="75000"/>
+                  <a:alpha val="80000"/>
+                </a:schemeClr>
+              </a:solidFill>
+            </a:ln>
+            <a:effectLst/>
+          </p:spPr>
+          <p:style>
+            <a:lnRef idx="2">
+              <a:schemeClr val="accent1">
+                <a:shade val="50000"/>
+              </a:schemeClr>
+            </a:lnRef>
+            <a:fillRef idx="1001">
+              <a:schemeClr val="dk2"/>
+            </a:fillRef>
+            <a:effectRef idx="0">
+              <a:schemeClr val="accent1"/>
+            </a:effectRef>
+            <a:fontRef idx="minor">
+              <a:schemeClr val="lt1"/>
+            </a:fontRef>
+          </p:style>
+          <p:txBody>
+            <a:bodyPr rot="0" spcFirstLastPara="0" vertOverflow="overflow" horzOverflow="overflow" vert="horz" wrap="square" lIns="91440" tIns="45720" rIns="91440" bIns="45720" numCol="1" spcCol="0" rtlCol="0" fromWordArt="0" anchor="ctr" anchorCtr="0" forceAA="0" compatLnSpc="1">
+              <a:prstTxWarp prst="textNoShape">
+                <a:avLst/>
+              </a:prstTxWarp>
+              <a:noAutofit/>
+            </a:bodyPr>
+            <a:lstStyle/>
+            <a:p>
+              <a:pPr algn="ctr"/>
+              <a:endParaRPr lang="en-US" sz="2800" b="1" dirty="0">
+                <a:solidFill>
+                  <a:srgbClr val="FFFFFF"/>
+                </a:solidFill>
+                <a:effectLst>
+                  <a:outerShdw blurRad="38100" dist="38100" dir="2700000" algn="tl">
+                    <a:srgbClr val="000000">
+                      <a:alpha val="43137"/>
+                    </a:srgbClr>
+                  </a:outerShdw>
+                </a:effectLst>
+              </a:endParaRPr>
+            </a:p>
+          </p:txBody>
+        </p:sp>
+        <p:sp>
+          <p:nvSpPr>
+            <p:cNvPr id="14" name="Isosceles Triangle 13"/>
+            <p:cNvSpPr/>
+            <p:nvPr/>
+          </p:nvSpPr>
+          <p:spPr bwMode="auto">
+            <a:xfrm rot="5400000">
+              <a:off x="8782277" y="5559300"/>
+              <a:ext cx="495000" cy="570600"/>
+            </a:xfrm>
+            <a:prstGeom prst="triangle">
+              <a:avLst>
+                <a:gd name="adj" fmla="val 68473"/>
+              </a:avLst>
+            </a:prstGeom>
+            <a:solidFill>
+              <a:schemeClr val="dk2">
+                <a:alpha val="80000"/>
+              </a:schemeClr>
+            </a:solidFill>
+            <a:ln w="19050">
+              <a:solidFill>
+                <a:schemeClr val="tx1">
+                  <a:lumMod val="75000"/>
+                  <a:alpha val="80000"/>
+                </a:schemeClr>
+              </a:solidFill>
+            </a:ln>
+            <a:effectLst/>
+          </p:spPr>
+          <p:style>
+            <a:lnRef idx="2">
+              <a:schemeClr val="accent1">
+                <a:shade val="50000"/>
+              </a:schemeClr>
+            </a:lnRef>
+            <a:fillRef idx="1001">
+              <a:schemeClr val="dk2"/>
+            </a:fillRef>
+            <a:effectRef idx="0">
+              <a:schemeClr val="accent1"/>
+            </a:effectRef>
+            <a:fontRef idx="minor">
+              <a:schemeClr val="lt1"/>
+            </a:fontRef>
+          </p:style>
+          <p:txBody>
+            <a:bodyPr rot="0" spcFirstLastPara="0" vertOverflow="overflow" horzOverflow="overflow" vert="horz" wrap="square" lIns="91440" tIns="45720" rIns="91440" bIns="45720" numCol="1" spcCol="0" rtlCol="0" fromWordArt="0" anchor="ctr" anchorCtr="0" forceAA="0" compatLnSpc="1">
+              <a:prstTxWarp prst="textNoShape">
+                <a:avLst/>
+              </a:prstTxWarp>
+              <a:noAutofit/>
+            </a:bodyPr>
+            <a:lstStyle/>
+            <a:p>
+              <a:pPr algn="ctr"/>
+              <a:endParaRPr lang="en-US" sz="2800" b="1" dirty="0">
+                <a:solidFill>
+                  <a:srgbClr val="FFFFFF"/>
+                </a:solidFill>
+                <a:effectLst>
+                  <a:outerShdw blurRad="38100" dist="38100" dir="2700000" algn="tl">
+                    <a:srgbClr val="000000">
+                      <a:alpha val="43137"/>
+                    </a:srgbClr>
+                  </a:outerShdw>
+                </a:effectLst>
+              </a:endParaRPr>
+            </a:p>
+          </p:txBody>
+        </p:sp>
+      </p:grpSp>
+      <p:grpSp>
+        <p:nvGrpSpPr>
+          <p:cNvPr id="17" name="Group 16"/>
+          <p:cNvGrpSpPr/>
+          <p:nvPr/>
+        </p:nvGrpSpPr>
+        <p:grpSpPr>
+          <a:xfrm>
+            <a:off x="8757523" y="3775644"/>
+            <a:ext cx="2250000" cy="2295000"/>
+            <a:chOff x="6952301" y="2785619"/>
+            <a:chExt cx="2250000" cy="2295000"/>
+          </a:xfrm>
+        </p:grpSpPr>
+        <p:sp>
+          <p:nvSpPr>
+            <p:cNvPr id="8" name="Trapezoid 7"/>
+            <p:cNvSpPr/>
+            <p:nvPr/>
+          </p:nvSpPr>
+          <p:spPr bwMode="auto">
+            <a:xfrm rot="16200000">
+              <a:off x="6929801" y="2808119"/>
+              <a:ext cx="2295000" cy="2250000"/>
+            </a:xfrm>
+            <a:prstGeom prst="trapezoid">
+              <a:avLst/>
+            </a:prstGeom>
+            <a:solidFill>
+              <a:schemeClr val="dk2">
+                <a:alpha val="80000"/>
+              </a:schemeClr>
+            </a:solidFill>
+            <a:ln w="19050">
+              <a:solidFill>
+                <a:schemeClr val="tx1">
+                  <a:lumMod val="75000"/>
+                  <a:alpha val="80000"/>
+                </a:schemeClr>
+              </a:solidFill>
+            </a:ln>
+            <a:effectLst/>
+          </p:spPr>
+          <p:style>
+            <a:lnRef idx="2">
+              <a:schemeClr val="accent1">
+                <a:shade val="50000"/>
+              </a:schemeClr>
+            </a:lnRef>
+            <a:fillRef idx="1001">
+              <a:schemeClr val="dk2"/>
+            </a:fillRef>
+            <a:effectRef idx="0">
+              <a:schemeClr val="accent1"/>
+            </a:effectRef>
+            <a:fontRef idx="minor">
+              <a:schemeClr val="lt1"/>
+            </a:fontRef>
+          </p:style>
+          <p:txBody>
+            <a:bodyPr rot="0" spcFirstLastPara="0" vertOverflow="overflow" horzOverflow="overflow" vert="horz" wrap="square" lIns="91440" tIns="45720" rIns="91440" bIns="45720" numCol="1" spcCol="0" rtlCol="0" fromWordArt="0" anchor="ctr" anchorCtr="0" forceAA="0" compatLnSpc="1">
+              <a:prstTxWarp prst="textNoShape">
+                <a:avLst/>
+              </a:prstTxWarp>
+              <a:noAutofit/>
+            </a:bodyPr>
+            <a:lstStyle/>
+            <a:p>
+              <a:pPr algn="ctr"/>
+              <a:endParaRPr lang="en-US" sz="2800" b="1" dirty="0">
+                <a:solidFill>
+                  <a:srgbClr val="FFFFFF"/>
+                </a:solidFill>
+                <a:effectLst>
+                  <a:outerShdw blurRad="38100" dist="38100" dir="2700000" algn="tl">
+                    <a:srgbClr val="000000">
+                      <a:alpha val="43137"/>
+                    </a:srgbClr>
+                  </a:outerShdw>
+                </a:effectLst>
+              </a:endParaRPr>
+            </a:p>
+          </p:txBody>
+        </p:sp>
+        <p:sp>
+          <p:nvSpPr>
+            <p:cNvPr id="15" name="Isosceles Triangle 14"/>
+            <p:cNvSpPr/>
+            <p:nvPr/>
+          </p:nvSpPr>
+          <p:spPr bwMode="auto">
+            <a:xfrm rot="16032843">
+              <a:off x="8661819" y="2751617"/>
+              <a:ext cx="495000" cy="570600"/>
+            </a:xfrm>
+            <a:prstGeom prst="triangle">
+              <a:avLst>
+                <a:gd name="adj" fmla="val 70677"/>
+              </a:avLst>
+            </a:prstGeom>
+            <a:solidFill>
+              <a:schemeClr val="dk2">
+                <a:alpha val="80000"/>
+              </a:schemeClr>
+            </a:solidFill>
+            <a:ln w="19050">
+              <a:solidFill>
+                <a:schemeClr val="tx1">
+                  <a:lumMod val="75000"/>
+                  <a:alpha val="80000"/>
+                </a:schemeClr>
+              </a:solidFill>
+            </a:ln>
+            <a:effectLst/>
+          </p:spPr>
+          <p:style>
+            <a:lnRef idx="2">
+              <a:schemeClr val="accent1">
+                <a:shade val="50000"/>
+              </a:schemeClr>
+            </a:lnRef>
+            <a:fillRef idx="1001">
+              <a:schemeClr val="dk2"/>
+            </a:fillRef>
+            <a:effectRef idx="0">
+              <a:schemeClr val="accent1"/>
+            </a:effectRef>
+            <a:fontRef idx="minor">
+              <a:schemeClr val="lt1"/>
+            </a:fontRef>
+          </p:style>
+          <p:txBody>
+            <a:bodyPr rot="0" spcFirstLastPara="0" vertOverflow="overflow" horzOverflow="overflow" vert="horz" wrap="square" lIns="91440" tIns="45720" rIns="91440" bIns="45720" numCol="1" spcCol="0" rtlCol="0" fromWordArt="0" anchor="ctr" anchorCtr="0" forceAA="0" compatLnSpc="1">
+              <a:prstTxWarp prst="textNoShape">
+                <a:avLst/>
+              </a:prstTxWarp>
+              <a:noAutofit/>
+            </a:bodyPr>
+            <a:lstStyle/>
+            <a:p>
+              <a:pPr algn="ctr"/>
+              <a:endParaRPr lang="en-US" sz="2800" b="1" dirty="0">
+                <a:solidFill>
+                  <a:srgbClr val="FFFFFF"/>
+                </a:solidFill>
+                <a:effectLst>
+                  <a:outerShdw blurRad="38100" dist="38100" dir="2700000" algn="tl">
+                    <a:srgbClr val="000000">
+                      <a:alpha val="43137"/>
+                    </a:srgbClr>
+                  </a:outerShdw>
+                </a:effectLst>
+              </a:endParaRPr>
+            </a:p>
+          </p:txBody>
+        </p:sp>
+      </p:grpSp>
+      <p:grpSp>
+        <p:nvGrpSpPr>
+          <p:cNvPr id="19" name="Group 18"/>
+          <p:cNvGrpSpPr/>
+          <p:nvPr/>
+        </p:nvGrpSpPr>
+        <p:grpSpPr>
+          <a:xfrm>
+            <a:off x="8728500" y="3754187"/>
+            <a:ext cx="2295000" cy="2250002"/>
+            <a:chOff x="9066000" y="1196123"/>
+            <a:chExt cx="2295000" cy="2250002"/>
+          </a:xfrm>
+        </p:grpSpPr>
+        <p:sp>
+          <p:nvSpPr>
+            <p:cNvPr id="9" name="Trapezoid 8"/>
+            <p:cNvSpPr/>
+            <p:nvPr/>
+          </p:nvSpPr>
+          <p:spPr bwMode="auto">
+            <a:xfrm rot="10800000">
+              <a:off x="9066000" y="1196125"/>
+              <a:ext cx="2295000" cy="2250000"/>
+            </a:xfrm>
+            <a:prstGeom prst="trapezoid">
+              <a:avLst/>
+            </a:prstGeom>
+            <a:solidFill>
+              <a:schemeClr val="dk2">
+                <a:alpha val="80000"/>
+              </a:schemeClr>
+            </a:solidFill>
+            <a:ln w="19050">
+              <a:solidFill>
+                <a:schemeClr val="tx1">
+                  <a:lumMod val="75000"/>
+                  <a:alpha val="80000"/>
+                </a:schemeClr>
+              </a:solidFill>
+            </a:ln>
+            <a:effectLst/>
+          </p:spPr>
+          <p:style>
+            <a:lnRef idx="2">
+              <a:schemeClr val="accent1">
+                <a:shade val="50000"/>
+              </a:schemeClr>
+            </a:lnRef>
+            <a:fillRef idx="1001">
+              <a:schemeClr val="dk2"/>
+            </a:fillRef>
+            <a:effectRef idx="0">
+              <a:schemeClr val="accent1"/>
+            </a:effectRef>
+            <a:fontRef idx="minor">
+              <a:schemeClr val="lt1"/>
+            </a:fontRef>
+          </p:style>
+          <p:txBody>
+            <a:bodyPr rot="0" spcFirstLastPara="0" vertOverflow="overflow" horzOverflow="overflow" vert="horz" wrap="square" lIns="91440" tIns="45720" rIns="91440" bIns="45720" numCol="1" spcCol="0" rtlCol="0" fromWordArt="0" anchor="ctr" anchorCtr="0" forceAA="0" compatLnSpc="1">
+              <a:prstTxWarp prst="textNoShape">
+                <a:avLst/>
+              </a:prstTxWarp>
+              <a:noAutofit/>
+            </a:bodyPr>
+            <a:lstStyle/>
+            <a:p>
+              <a:pPr algn="ctr"/>
+              <a:endParaRPr lang="en-US" sz="2800" b="1" dirty="0">
+                <a:solidFill>
+                  <a:srgbClr val="FFFFFF"/>
+                </a:solidFill>
+                <a:effectLst>
+                  <a:outerShdw blurRad="38100" dist="38100" dir="2700000" algn="tl">
+                    <a:srgbClr val="000000">
+                      <a:alpha val="43137"/>
+                    </a:srgbClr>
+                  </a:outerShdw>
+                </a:effectLst>
+              </a:endParaRPr>
+            </a:p>
+          </p:txBody>
+        </p:sp>
+        <p:sp>
+          <p:nvSpPr>
+            <p:cNvPr id="18" name="Isosceles Triangle 17"/>
+            <p:cNvSpPr/>
+            <p:nvPr/>
+          </p:nvSpPr>
+          <p:spPr bwMode="auto">
+            <a:xfrm rot="10800000">
+              <a:off x="9066000" y="1196123"/>
+              <a:ext cx="495000" cy="570600"/>
+            </a:xfrm>
+            <a:prstGeom prst="triangle">
+              <a:avLst>
+                <a:gd name="adj" fmla="val 68473"/>
+              </a:avLst>
+            </a:prstGeom>
+            <a:solidFill>
+              <a:schemeClr val="dk2">
+                <a:alpha val="80000"/>
+              </a:schemeClr>
+            </a:solidFill>
+            <a:ln w="19050">
+              <a:solidFill>
+                <a:schemeClr val="tx1">
+                  <a:lumMod val="75000"/>
+                  <a:alpha val="80000"/>
+                </a:schemeClr>
+              </a:solidFill>
+            </a:ln>
+            <a:effectLst/>
+          </p:spPr>
+          <p:style>
+            <a:lnRef idx="2">
+              <a:schemeClr val="accent1">
+                <a:shade val="50000"/>
+              </a:schemeClr>
+            </a:lnRef>
+            <a:fillRef idx="1001">
+              <a:schemeClr val="dk2"/>
+            </a:fillRef>
+            <a:effectRef idx="0">
+              <a:schemeClr val="accent1"/>
+            </a:effectRef>
+            <a:fontRef idx="minor">
+              <a:schemeClr val="lt1"/>
+            </a:fontRef>
+          </p:style>
+          <p:txBody>
+            <a:bodyPr rot="0" spcFirstLastPara="0" vertOverflow="overflow" horzOverflow="overflow" vert="horz" wrap="square" lIns="91440" tIns="45720" rIns="91440" bIns="45720" numCol="1" spcCol="0" rtlCol="0" fromWordArt="0" anchor="ctr" anchorCtr="0" forceAA="0" compatLnSpc="1">
+              <a:prstTxWarp prst="textNoShape">
+                <a:avLst/>
+              </a:prstTxWarp>
+              <a:noAutofit/>
+            </a:bodyPr>
+            <a:lstStyle/>
+            <a:p>
+              <a:pPr algn="ctr"/>
+              <a:endParaRPr lang="en-US" sz="2800" b="1" dirty="0">
+                <a:solidFill>
+                  <a:srgbClr val="FFFFFF"/>
+                </a:solidFill>
+                <a:effectLst>
+                  <a:outerShdw blurRad="38100" dist="38100" dir="2700000" algn="tl">
+                    <a:srgbClr val="000000">
+                      <a:alpha val="43137"/>
+                    </a:srgbClr>
+                  </a:outerShdw>
+                </a:effectLst>
+              </a:endParaRPr>
+            </a:p>
+          </p:txBody>
+        </p:sp>
+      </p:grpSp>
+      <p:grpSp>
+        <p:nvGrpSpPr>
+          <p:cNvPr id="24" name="Group 23"/>
+          <p:cNvGrpSpPr/>
+          <p:nvPr/>
+        </p:nvGrpSpPr>
+        <p:grpSpPr>
+          <a:xfrm>
+            <a:off x="8724199" y="3765867"/>
+            <a:ext cx="2295000" cy="2250000"/>
+            <a:chOff x="5779204" y="2360087"/>
+            <a:chExt cx="2295000" cy="2250000"/>
+          </a:xfrm>
+        </p:grpSpPr>
+        <p:sp>
+          <p:nvSpPr>
+            <p:cNvPr id="22" name="Trapezoid 21"/>
+            <p:cNvSpPr/>
+            <p:nvPr/>
+          </p:nvSpPr>
+          <p:spPr bwMode="auto">
+            <a:xfrm flipV="1">
+              <a:off x="5779204" y="2360087"/>
+              <a:ext cx="2295000" cy="2250000"/>
+            </a:xfrm>
+            <a:prstGeom prst="trapezoid">
+              <a:avLst/>
+            </a:prstGeom>
+            <a:solidFill>
+              <a:schemeClr val="dk2">
+                <a:alpha val="80000"/>
+              </a:schemeClr>
+            </a:solidFill>
+            <a:ln w="19050">
+              <a:solidFill>
+                <a:schemeClr val="tx1">
+                  <a:lumMod val="75000"/>
+                  <a:alpha val="80000"/>
+                </a:schemeClr>
+              </a:solidFill>
+            </a:ln>
+            <a:effectLst/>
+          </p:spPr>
+          <p:style>
+            <a:lnRef idx="2">
+              <a:schemeClr val="accent1">
+                <a:shade val="50000"/>
+              </a:schemeClr>
+            </a:lnRef>
+            <a:fillRef idx="1001">
+              <a:schemeClr val="dk2"/>
+            </a:fillRef>
+            <a:effectRef idx="0">
+              <a:schemeClr val="accent1"/>
+            </a:effectRef>
+            <a:fontRef idx="minor">
+              <a:schemeClr val="lt1"/>
+            </a:fontRef>
+          </p:style>
+          <p:txBody>
+            <a:bodyPr rot="0" spcFirstLastPara="0" vertOverflow="overflow" horzOverflow="overflow" vert="horz" wrap="square" lIns="91440" tIns="45720" rIns="91440" bIns="45720" numCol="1" spcCol="0" rtlCol="0" fromWordArt="0" anchor="ctr" anchorCtr="0" forceAA="0" compatLnSpc="1">
+              <a:prstTxWarp prst="textNoShape">
+                <a:avLst/>
+              </a:prstTxWarp>
+              <a:noAutofit/>
+            </a:bodyPr>
+            <a:lstStyle/>
+            <a:p>
+              <a:pPr algn="ctr"/>
+              <a:endParaRPr lang="en-US" sz="2800" b="1" dirty="0">
+                <a:solidFill>
+                  <a:srgbClr val="FFFFFF"/>
+                </a:solidFill>
+                <a:effectLst>
+                  <a:outerShdw blurRad="38100" dist="38100" dir="2700000" algn="tl">
+                    <a:srgbClr val="000000">
+                      <a:alpha val="43137"/>
+                    </a:srgbClr>
+                  </a:outerShdw>
+                </a:effectLst>
+              </a:endParaRPr>
+            </a:p>
+          </p:txBody>
+        </p:sp>
+        <p:sp>
+          <p:nvSpPr>
+            <p:cNvPr id="23" name="Isosceles Triangle 22"/>
+            <p:cNvSpPr/>
+            <p:nvPr/>
+          </p:nvSpPr>
+          <p:spPr bwMode="auto">
+            <a:xfrm rot="10800000">
+              <a:off x="7579204" y="2360087"/>
+              <a:ext cx="495000" cy="570600"/>
+            </a:xfrm>
+            <a:prstGeom prst="triangle">
+              <a:avLst>
+                <a:gd name="adj" fmla="val 31527"/>
+              </a:avLst>
+            </a:prstGeom>
+            <a:solidFill>
+              <a:schemeClr val="dk2">
+                <a:alpha val="80000"/>
+              </a:schemeClr>
+            </a:solidFill>
+            <a:ln w="19050">
+              <a:solidFill>
+                <a:schemeClr val="tx1">
+                  <a:lumMod val="75000"/>
+                  <a:alpha val="80000"/>
+                </a:schemeClr>
+              </a:solidFill>
+            </a:ln>
+            <a:effectLst/>
+          </p:spPr>
+          <p:style>
+            <a:lnRef idx="2">
+              <a:schemeClr val="accent1">
+                <a:shade val="50000"/>
+              </a:schemeClr>
+            </a:lnRef>
+            <a:fillRef idx="1001">
+              <a:schemeClr val="dk2"/>
+            </a:fillRef>
+            <a:effectRef idx="0">
+              <a:schemeClr val="accent1"/>
+            </a:effectRef>
+            <a:fontRef idx="minor">
+              <a:schemeClr val="lt1"/>
+            </a:fontRef>
+          </p:style>
+          <p:txBody>
+            <a:bodyPr rot="0" spcFirstLastPara="0" vertOverflow="overflow" horzOverflow="overflow" vert="horz" wrap="square" lIns="91440" tIns="45720" rIns="91440" bIns="45720" numCol="1" spcCol="0" rtlCol="0" fromWordArt="0" anchor="ctr" anchorCtr="0" forceAA="0" compatLnSpc="1">
+              <a:prstTxWarp prst="textNoShape">
+                <a:avLst/>
+              </a:prstTxWarp>
+              <a:noAutofit/>
+            </a:bodyPr>
+            <a:lstStyle/>
+            <a:p>
+              <a:pPr algn="ctr"/>
+              <a:endParaRPr lang="en-US" sz="2800" b="1" dirty="0">
+                <a:solidFill>
+                  <a:srgbClr val="FFFFFF"/>
+                </a:solidFill>
+                <a:effectLst>
+                  <a:outerShdw blurRad="38100" dist="38100" dir="2700000" algn="tl">
+                    <a:srgbClr val="000000">
+                      <a:alpha val="43137"/>
+                    </a:srgbClr>
+                  </a:outerShdw>
+                </a:effectLst>
+              </a:endParaRPr>
+            </a:p>
+          </p:txBody>
+        </p:sp>
+      </p:grpSp>
+      <p:grpSp>
+        <p:nvGrpSpPr>
+          <p:cNvPr id="28" name="Group 27"/>
+          <p:cNvGrpSpPr/>
+          <p:nvPr/>
+        </p:nvGrpSpPr>
+        <p:grpSpPr>
+          <a:xfrm flipH="1">
+            <a:off x="8730722" y="3779856"/>
+            <a:ext cx="2301523" cy="2250000"/>
+            <a:chOff x="4988201" y="3797100"/>
+            <a:chExt cx="2301523" cy="2250000"/>
+          </a:xfrm>
+        </p:grpSpPr>
+        <p:sp>
+          <p:nvSpPr>
+            <p:cNvPr id="29" name="Trapezoid 28"/>
+            <p:cNvSpPr/>
+            <p:nvPr/>
+          </p:nvSpPr>
+          <p:spPr bwMode="auto">
+            <a:xfrm>
+              <a:off x="4988201" y="3797100"/>
+              <a:ext cx="2295000" cy="2250000"/>
+            </a:xfrm>
+            <a:prstGeom prst="trapezoid">
+              <a:avLst/>
+            </a:prstGeom>
+            <a:solidFill>
+              <a:schemeClr val="dk2">
+                <a:alpha val="80000"/>
+              </a:schemeClr>
+            </a:solidFill>
+            <a:ln w="19050">
+              <a:solidFill>
+                <a:schemeClr val="tx1">
+                  <a:lumMod val="75000"/>
+                  <a:alpha val="80000"/>
+                </a:schemeClr>
+              </a:solidFill>
+            </a:ln>
+            <a:effectLst/>
+          </p:spPr>
+          <p:style>
+            <a:lnRef idx="2">
+              <a:schemeClr val="accent1">
+                <a:shade val="50000"/>
+              </a:schemeClr>
+            </a:lnRef>
+            <a:fillRef idx="1001">
+              <a:schemeClr val="dk2"/>
+            </a:fillRef>
+            <a:effectRef idx="0">
+              <a:schemeClr val="accent1"/>
+            </a:effectRef>
+            <a:fontRef idx="minor">
+              <a:schemeClr val="lt1"/>
+            </a:fontRef>
+          </p:style>
+          <p:txBody>
+            <a:bodyPr rot="0" spcFirstLastPara="0" vertOverflow="overflow" horzOverflow="overflow" vert="horz" wrap="square" lIns="91440" tIns="45720" rIns="91440" bIns="45720" numCol="1" spcCol="0" rtlCol="0" fromWordArt="0" anchor="ctr" anchorCtr="0" forceAA="0" compatLnSpc="1">
+              <a:prstTxWarp prst="textNoShape">
+                <a:avLst/>
+              </a:prstTxWarp>
+              <a:noAutofit/>
+            </a:bodyPr>
+            <a:lstStyle/>
+            <a:p>
+              <a:pPr algn="ctr"/>
+              <a:endParaRPr lang="en-US" sz="2800" b="1" dirty="0">
+                <a:solidFill>
+                  <a:srgbClr val="FFFFFF"/>
+                </a:solidFill>
+                <a:effectLst>
+                  <a:outerShdw blurRad="38100" dist="38100" dir="2700000" algn="tl">
+                    <a:srgbClr val="000000">
+                      <a:alpha val="43137"/>
+                    </a:srgbClr>
+                  </a:outerShdw>
+                </a:effectLst>
+              </a:endParaRPr>
+            </a:p>
+          </p:txBody>
+        </p:sp>
+        <p:sp>
+          <p:nvSpPr>
+            <p:cNvPr id="30" name="Isosceles Triangle 29"/>
+            <p:cNvSpPr/>
+            <p:nvPr/>
+          </p:nvSpPr>
+          <p:spPr bwMode="auto">
+            <a:xfrm>
+              <a:off x="6794724" y="5476500"/>
+              <a:ext cx="495000" cy="570600"/>
+            </a:xfrm>
+            <a:prstGeom prst="triangle">
+              <a:avLst>
+                <a:gd name="adj" fmla="val 68473"/>
+              </a:avLst>
+            </a:prstGeom>
+            <a:solidFill>
+              <a:schemeClr val="dk2">
+                <a:alpha val="80000"/>
+              </a:schemeClr>
+            </a:solidFill>
+            <a:ln w="19050">
+              <a:solidFill>
+                <a:schemeClr val="tx1">
+                  <a:lumMod val="75000"/>
+                  <a:alpha val="80000"/>
+                </a:schemeClr>
+              </a:solidFill>
+            </a:ln>
+            <a:effectLst/>
+          </p:spPr>
+          <p:style>
+            <a:lnRef idx="2">
+              <a:schemeClr val="accent1">
+                <a:shade val="50000"/>
+              </a:schemeClr>
+            </a:lnRef>
+            <a:fillRef idx="1001">
+              <a:schemeClr val="dk2"/>
+            </a:fillRef>
+            <a:effectRef idx="0">
+              <a:schemeClr val="accent1"/>
+            </a:effectRef>
+            <a:fontRef idx="minor">
+              <a:schemeClr val="lt1"/>
+            </a:fontRef>
+          </p:style>
+          <p:txBody>
+            <a:bodyPr rot="0" spcFirstLastPara="0" vertOverflow="overflow" horzOverflow="overflow" vert="horz" wrap="square" lIns="91440" tIns="45720" rIns="91440" bIns="45720" numCol="1" spcCol="0" rtlCol="0" fromWordArt="0" anchor="ctr" anchorCtr="0" forceAA="0" compatLnSpc="1">
+              <a:prstTxWarp prst="textNoShape">
+                <a:avLst/>
+              </a:prstTxWarp>
+              <a:noAutofit/>
+            </a:bodyPr>
+            <a:lstStyle/>
+            <a:p>
+              <a:pPr algn="ctr"/>
+              <a:endParaRPr lang="en-US" sz="2800" b="1" dirty="0">
+                <a:solidFill>
+                  <a:srgbClr val="FFFFFF"/>
+                </a:solidFill>
+                <a:effectLst>
+                  <a:outerShdw blurRad="38100" dist="38100" dir="2700000" algn="tl">
+                    <a:srgbClr val="000000">
+                      <a:alpha val="43137"/>
+                    </a:srgbClr>
+                  </a:outerShdw>
+                </a:effectLst>
+              </a:endParaRPr>
+            </a:p>
+          </p:txBody>
+        </p:sp>
+      </p:grpSp>
+    </p:spTree>
+    <p:extLst>
+      <p:ext uri="{BB962C8B-B14F-4D97-AF65-F5344CB8AC3E}">
+        <p14:creationId xmlns:p14="http://schemas.microsoft.com/office/powerpoint/2010/main" val="3948646326"/>
+      </p:ext>
+    </p:extLst>
+  </p:cSld>
+  <p:clrMapOvr>
+    <a:masterClrMapping/>
+  </p:clrMapOvr>
+  <mc:AlternateContent xmlns:mc="http://schemas.openxmlformats.org/markup-compatibility/2006" xmlns:p14="http://schemas.microsoft.com/office/powerpoint/2010/main">
+    <mc:Choice Requires="p14">
+      <p:transition spd="slow" p14:dur="2000" advClick="0" advTm="5000"/>
+    </mc:Choice>
+    <mc:Fallback xmlns="">
+      <p:transition spd="slow" advClick="0" advTm="5000"/>
+    </mc:Fallback>
+  </mc:AlternateContent>
+  <p:timing>
+    <p:tnLst>
+      <p:par>
+        <p:cTn id="1" dur="indefinite" restart="never" nodeType="tmRoot">
+          <p:childTnLst>
+            <p:seq concurrent="1" nextAc="seek">
+              <p:cTn id="2" dur="indefinite" nodeType="mainSeq">
+                <p:childTnLst>
+                  <p:par>
+                    <p:cTn id="3" fill="hold">
+                      <p:stCondLst>
+                        <p:cond delay="indefinite"/>
+                      </p:stCondLst>
+                      <p:childTnLst>
+                        <p:par>
+                          <p:cTn id="4" fill="hold">
+                            <p:stCondLst>
+                              <p:cond delay="0"/>
+                            </p:stCondLst>
+                            <p:childTnLst>
+                              <p:par>
+                                <p:cTn id="5" presetID="1" presetClass="entr" presetSubtype="0" fill="hold" nodeType="clickEffect">
+                                  <p:stCondLst>
+                                    <p:cond delay="0"/>
+                                  </p:stCondLst>
+                                  <p:childTnLst>
+                                    <p:set>
+                                      <p:cBhvr>
+                                        <p:cTn id="6" dur="1" fill="hold">
+                                          <p:stCondLst>
+                                            <p:cond delay="0"/>
+                                          </p:stCondLst>
+                                        </p:cTn>
+                                        <p:tgtEl>
+                                          <p:spTgt spid="5">
+                                            <p:txEl>
+                                              <p:pRg st="1" end="1"/>
+                                            </p:txEl>
+                                          </p:spTgt>
+                                        </p:tgtEl>
+                                        <p:attrNameLst>
+                                          <p:attrName>style.visibility</p:attrName>
+                                        </p:attrNameLst>
+                                      </p:cBhvr>
+                                      <p:to>
+                                        <p:strVal val="visible"/>
+                                      </p:to>
+                                    </p:set>
+                                  </p:childTnLst>
+                                </p:cTn>
+                              </p:par>
+                              <p:par>
+                                <p:cTn id="7" presetID="1" presetClass="entr" presetSubtype="0" fill="hold" nodeType="withEffect">
+                                  <p:stCondLst>
+                                    <p:cond delay="0"/>
+                                  </p:stCondLst>
+                                  <p:childTnLst>
+                                    <p:set>
+                                      <p:cBhvr>
+                                        <p:cTn id="8" dur="1" fill="hold">
+                                          <p:stCondLst>
+                                            <p:cond delay="0"/>
+                                          </p:stCondLst>
+                                        </p:cTn>
+                                        <p:tgtEl>
+                                          <p:spTgt spid="13"/>
+                                        </p:tgtEl>
+                                        <p:attrNameLst>
+                                          <p:attrName>style.visibility</p:attrName>
+                                        </p:attrNameLst>
+                                      </p:cBhvr>
+                                      <p:to>
+                                        <p:strVal val="visible"/>
+                                      </p:to>
+                                    </p:set>
+                                  </p:childTnLst>
+                                </p:cTn>
+                              </p:par>
+                            </p:childTnLst>
+                          </p:cTn>
+                        </p:par>
+                      </p:childTnLst>
+                    </p:cTn>
+                  </p:par>
+                  <p:par>
+                    <p:cTn id="9" fill="hold">
+                      <p:stCondLst>
+                        <p:cond delay="indefinite"/>
+                      </p:stCondLst>
+                      <p:childTnLst>
+                        <p:par>
+                          <p:cTn id="10" fill="hold">
+                            <p:stCondLst>
+                              <p:cond delay="0"/>
+                            </p:stCondLst>
+                            <p:childTnLst>
+                              <p:par>
+                                <p:cTn id="11" presetID="1" presetClass="entr" presetSubtype="0" fill="hold" nodeType="clickEffect">
+                                  <p:stCondLst>
+                                    <p:cond delay="0"/>
+                                  </p:stCondLst>
+                                  <p:childTnLst>
+                                    <p:set>
+                                      <p:cBhvr>
+                                        <p:cTn id="12" dur="1" fill="hold">
+                                          <p:stCondLst>
+                                            <p:cond delay="0"/>
+                                          </p:stCondLst>
+                                        </p:cTn>
+                                        <p:tgtEl>
+                                          <p:spTgt spid="5">
+                                            <p:txEl>
+                                              <p:pRg st="2" end="2"/>
+                                            </p:txEl>
+                                          </p:spTgt>
+                                        </p:tgtEl>
+                                        <p:attrNameLst>
+                                          <p:attrName>style.visibility</p:attrName>
+                                        </p:attrNameLst>
+                                      </p:cBhvr>
+                                      <p:to>
+                                        <p:strVal val="visible"/>
+                                      </p:to>
+                                    </p:set>
+                                  </p:childTnLst>
+                                </p:cTn>
+                              </p:par>
+                              <p:par>
+                                <p:cTn id="13" presetID="1" presetClass="entr" presetSubtype="0" fill="hold" nodeType="withEffect">
+                                  <p:stCondLst>
+                                    <p:cond delay="0"/>
+                                  </p:stCondLst>
+                                  <p:childTnLst>
+                                    <p:set>
+                                      <p:cBhvr>
+                                        <p:cTn id="14" dur="1" fill="hold">
+                                          <p:stCondLst>
+                                            <p:cond delay="0"/>
+                                          </p:stCondLst>
+                                        </p:cTn>
+                                        <p:tgtEl>
+                                          <p:spTgt spid="20"/>
+                                        </p:tgtEl>
+                                        <p:attrNameLst>
+                                          <p:attrName>style.visibility</p:attrName>
+                                        </p:attrNameLst>
+                                      </p:cBhvr>
+                                      <p:to>
+                                        <p:strVal val="visible"/>
+                                      </p:to>
+                                    </p:set>
+                                  </p:childTnLst>
+                                </p:cTn>
+                              </p:par>
+                            </p:childTnLst>
+                          </p:cTn>
+                        </p:par>
+                      </p:childTnLst>
+                    </p:cTn>
+                  </p:par>
+                  <p:par>
+                    <p:cTn id="15" fill="hold">
+                      <p:stCondLst>
+                        <p:cond delay="indefinite"/>
+                      </p:stCondLst>
+                      <p:childTnLst>
+                        <p:par>
+                          <p:cTn id="16" fill="hold">
+                            <p:stCondLst>
+                              <p:cond delay="0"/>
+                            </p:stCondLst>
+                            <p:childTnLst>
+                              <p:par>
+                                <p:cTn id="17" presetID="1" presetClass="entr" presetSubtype="0" fill="hold" nodeType="clickEffect">
+                                  <p:stCondLst>
+                                    <p:cond delay="0"/>
+                                  </p:stCondLst>
+                                  <p:childTnLst>
+                                    <p:set>
+                                      <p:cBhvr>
+                                        <p:cTn id="18" dur="1" fill="hold">
+                                          <p:stCondLst>
+                                            <p:cond delay="0"/>
+                                          </p:stCondLst>
+                                        </p:cTn>
+                                        <p:tgtEl>
+                                          <p:spTgt spid="5">
+                                            <p:txEl>
+                                              <p:pRg st="3" end="3"/>
+                                            </p:txEl>
+                                          </p:spTgt>
+                                        </p:tgtEl>
+                                        <p:attrNameLst>
+                                          <p:attrName>style.visibility</p:attrName>
+                                        </p:attrNameLst>
+                                      </p:cBhvr>
+                                      <p:to>
+                                        <p:strVal val="visible"/>
+                                      </p:to>
+                                    </p:set>
+                                  </p:childTnLst>
+                                </p:cTn>
+                              </p:par>
+                              <p:par>
+                                <p:cTn id="19" presetID="1" presetClass="entr" presetSubtype="0" fill="hold" nodeType="withEffect">
+                                  <p:stCondLst>
+                                    <p:cond delay="0"/>
+                                  </p:stCondLst>
+                                  <p:childTnLst>
+                                    <p:set>
+                                      <p:cBhvr>
+                                        <p:cTn id="20" dur="1" fill="hold">
+                                          <p:stCondLst>
+                                            <p:cond delay="0"/>
+                                          </p:stCondLst>
+                                        </p:cTn>
+                                        <p:tgtEl>
+                                          <p:spTgt spid="17"/>
+                                        </p:tgtEl>
+                                        <p:attrNameLst>
+                                          <p:attrName>style.visibility</p:attrName>
+                                        </p:attrNameLst>
+                                      </p:cBhvr>
+                                      <p:to>
+                                        <p:strVal val="visible"/>
+                                      </p:to>
+                                    </p:set>
+                                  </p:childTnLst>
+                                </p:cTn>
+                              </p:par>
+                              <p:par>
+                                <p:cTn id="21" presetID="1" presetClass="exit" presetSubtype="0" fill="hold" nodeType="withEffect">
+                                  <p:stCondLst>
+                                    <p:cond delay="0"/>
+                                  </p:stCondLst>
+                                  <p:childTnLst>
+                                    <p:set>
+                                      <p:cBhvr>
+                                        <p:cTn id="22" dur="1" fill="hold">
+                                          <p:stCondLst>
+                                            <p:cond delay="0"/>
+                                          </p:stCondLst>
+                                        </p:cTn>
+                                        <p:tgtEl>
+                                          <p:spTgt spid="20"/>
+                                        </p:tgtEl>
+                                        <p:attrNameLst>
+                                          <p:attrName>style.visibility</p:attrName>
+                                        </p:attrNameLst>
+                                      </p:cBhvr>
+                                      <p:to>
+                                        <p:strVal val="hidden"/>
+                                      </p:to>
+                                    </p:set>
+                                  </p:childTnLst>
+                                </p:cTn>
+                              </p:par>
+                            </p:childTnLst>
+                          </p:cTn>
+                        </p:par>
+                      </p:childTnLst>
+                    </p:cTn>
+                  </p:par>
+                  <p:par>
+                    <p:cTn id="23" fill="hold">
+                      <p:stCondLst>
+                        <p:cond delay="indefinite"/>
+                      </p:stCondLst>
+                      <p:childTnLst>
+                        <p:par>
+                          <p:cTn id="24" fill="hold">
+                            <p:stCondLst>
+                              <p:cond delay="0"/>
+                            </p:stCondLst>
+                            <p:childTnLst>
+                              <p:par>
+                                <p:cTn id="25" presetID="1" presetClass="entr" presetSubtype="0" fill="hold" nodeType="clickEffect">
+                                  <p:stCondLst>
+                                    <p:cond delay="0"/>
+                                  </p:stCondLst>
+                                  <p:childTnLst>
+                                    <p:set>
+                                      <p:cBhvr>
+                                        <p:cTn id="26" dur="1" fill="hold">
+                                          <p:stCondLst>
+                                            <p:cond delay="0"/>
+                                          </p:stCondLst>
+                                        </p:cTn>
+                                        <p:tgtEl>
+                                          <p:spTgt spid="5">
+                                            <p:txEl>
+                                              <p:pRg st="4" end="4"/>
+                                            </p:txEl>
+                                          </p:spTgt>
+                                        </p:tgtEl>
+                                        <p:attrNameLst>
+                                          <p:attrName>style.visibility</p:attrName>
+                                        </p:attrNameLst>
+                                      </p:cBhvr>
+                                      <p:to>
+                                        <p:strVal val="visible"/>
+                                      </p:to>
+                                    </p:set>
+                                  </p:childTnLst>
+                                </p:cTn>
+                              </p:par>
+                              <p:par>
+                                <p:cTn id="27" presetID="1" presetClass="entr" presetSubtype="0" fill="hold" nodeType="withEffect">
+                                  <p:stCondLst>
+                                    <p:cond delay="0"/>
+                                  </p:stCondLst>
+                                  <p:childTnLst>
+                                    <p:set>
+                                      <p:cBhvr>
+                                        <p:cTn id="28" dur="1" fill="hold">
+                                          <p:stCondLst>
+                                            <p:cond delay="0"/>
+                                          </p:stCondLst>
+                                        </p:cTn>
+                                        <p:tgtEl>
+                                          <p:spTgt spid="19"/>
+                                        </p:tgtEl>
+                                        <p:attrNameLst>
+                                          <p:attrName>style.visibility</p:attrName>
+                                        </p:attrNameLst>
+                                      </p:cBhvr>
+                                      <p:to>
+                                        <p:strVal val="visible"/>
+                                      </p:to>
+                                    </p:set>
+                                  </p:childTnLst>
+                                </p:cTn>
+                              </p:par>
+                              <p:par>
+                                <p:cTn id="29" presetID="1" presetClass="exit" presetSubtype="0" fill="hold" nodeType="withEffect">
+                                  <p:stCondLst>
+                                    <p:cond delay="0"/>
+                                  </p:stCondLst>
+                                  <p:childTnLst>
+                                    <p:set>
+                                      <p:cBhvr>
+                                        <p:cTn id="30" dur="1" fill="hold">
+                                          <p:stCondLst>
+                                            <p:cond delay="0"/>
+                                          </p:stCondLst>
+                                        </p:cTn>
+                                        <p:tgtEl>
+                                          <p:spTgt spid="17"/>
+                                        </p:tgtEl>
+                                        <p:attrNameLst>
+                                          <p:attrName>style.visibility</p:attrName>
+                                        </p:attrNameLst>
+                                      </p:cBhvr>
+                                      <p:to>
+                                        <p:strVal val="hidden"/>
+                                      </p:to>
+                                    </p:set>
+                                  </p:childTnLst>
+                                </p:cTn>
+                              </p:par>
+                            </p:childTnLst>
+                          </p:cTn>
+                        </p:par>
+                      </p:childTnLst>
+                    </p:cTn>
+                  </p:par>
+                  <p:par>
+                    <p:cTn id="31" fill="hold">
+                      <p:stCondLst>
+                        <p:cond delay="indefinite"/>
+                      </p:stCondLst>
+                      <p:childTnLst>
+                        <p:par>
+                          <p:cTn id="32" fill="hold">
+                            <p:stCondLst>
+                              <p:cond delay="0"/>
+                            </p:stCondLst>
+                            <p:childTnLst>
+                              <p:par>
+                                <p:cTn id="33" presetID="1" presetClass="entr" presetSubtype="0" fill="hold" nodeType="clickEffect">
+                                  <p:stCondLst>
+                                    <p:cond delay="0"/>
+                                  </p:stCondLst>
+                                  <p:childTnLst>
+                                    <p:set>
+                                      <p:cBhvr>
+                                        <p:cTn id="34" dur="1" fill="hold">
+                                          <p:stCondLst>
+                                            <p:cond delay="0"/>
+                                          </p:stCondLst>
+                                        </p:cTn>
+                                        <p:tgtEl>
+                                          <p:spTgt spid="5">
+                                            <p:txEl>
+                                              <p:pRg st="5" end="5"/>
+                                            </p:txEl>
+                                          </p:spTgt>
+                                        </p:tgtEl>
+                                        <p:attrNameLst>
+                                          <p:attrName>style.visibility</p:attrName>
+                                        </p:attrNameLst>
+                                      </p:cBhvr>
+                                      <p:to>
+                                        <p:strVal val="visible"/>
+                                      </p:to>
+                                    </p:set>
+                                  </p:childTnLst>
+                                </p:cTn>
+                              </p:par>
+                              <p:par>
+                                <p:cTn id="35" presetID="1" presetClass="entr" presetSubtype="0" fill="hold" nodeType="withEffect">
+                                  <p:stCondLst>
+                                    <p:cond delay="0"/>
+                                  </p:stCondLst>
+                                  <p:childTnLst>
+                                    <p:set>
+                                      <p:cBhvr>
+                                        <p:cTn id="36" dur="1" fill="hold">
+                                          <p:stCondLst>
+                                            <p:cond delay="0"/>
+                                          </p:stCondLst>
+                                        </p:cTn>
+                                        <p:tgtEl>
+                                          <p:spTgt spid="24"/>
+                                        </p:tgtEl>
+                                        <p:attrNameLst>
+                                          <p:attrName>style.visibility</p:attrName>
+                                        </p:attrNameLst>
+                                      </p:cBhvr>
+                                      <p:to>
+                                        <p:strVal val="visible"/>
+                                      </p:to>
+                                    </p:set>
+                                  </p:childTnLst>
+                                </p:cTn>
+                              </p:par>
+                              <p:par>
+                                <p:cTn id="37" presetID="1" presetClass="exit" presetSubtype="0" fill="hold" nodeType="withEffect">
+                                  <p:stCondLst>
+                                    <p:cond delay="0"/>
+                                  </p:stCondLst>
+                                  <p:childTnLst>
+                                    <p:set>
+                                      <p:cBhvr>
+                                        <p:cTn id="38" dur="1" fill="hold">
+                                          <p:stCondLst>
+                                            <p:cond delay="0"/>
+                                          </p:stCondLst>
+                                        </p:cTn>
+                                        <p:tgtEl>
+                                          <p:spTgt spid="19"/>
+                                        </p:tgtEl>
+                                        <p:attrNameLst>
+                                          <p:attrName>style.visibility</p:attrName>
+                                        </p:attrNameLst>
+                                      </p:cBhvr>
+                                      <p:to>
+                                        <p:strVal val="hidden"/>
+                                      </p:to>
+                                    </p:set>
+                                  </p:childTnLst>
+                                </p:cTn>
+                              </p:par>
+                            </p:childTnLst>
+                          </p:cTn>
+                        </p:par>
+                      </p:childTnLst>
+                    </p:cTn>
+                  </p:par>
+                  <p:par>
+                    <p:cTn id="39" fill="hold">
+                      <p:stCondLst>
+                        <p:cond delay="indefinite"/>
+                      </p:stCondLst>
+                      <p:childTnLst>
+                        <p:par>
+                          <p:cTn id="40" fill="hold">
+                            <p:stCondLst>
+                              <p:cond delay="0"/>
+                            </p:stCondLst>
+                            <p:childTnLst>
+                              <p:par>
+                                <p:cTn id="41" presetID="1" presetClass="entr" presetSubtype="0" fill="hold" nodeType="clickEffect">
+                                  <p:stCondLst>
+                                    <p:cond delay="0"/>
+                                  </p:stCondLst>
+                                  <p:childTnLst>
+                                    <p:set>
+                                      <p:cBhvr>
+                                        <p:cTn id="42" dur="1" fill="hold">
+                                          <p:stCondLst>
+                                            <p:cond delay="0"/>
+                                          </p:stCondLst>
+                                        </p:cTn>
+                                        <p:tgtEl>
+                                          <p:spTgt spid="5">
+                                            <p:txEl>
+                                              <p:pRg st="6" end="6"/>
+                                            </p:txEl>
+                                          </p:spTgt>
+                                        </p:tgtEl>
+                                        <p:attrNameLst>
+                                          <p:attrName>style.visibility</p:attrName>
+                                        </p:attrNameLst>
+                                      </p:cBhvr>
+                                      <p:to>
+                                        <p:strVal val="visible"/>
+                                      </p:to>
+                                    </p:set>
+                                  </p:childTnLst>
+                                </p:cTn>
+                              </p:par>
+                              <p:par>
+                                <p:cTn id="43" presetID="1" presetClass="entr" presetSubtype="0" fill="hold" nodeType="withEffect">
+                                  <p:stCondLst>
+                                    <p:cond delay="0"/>
+                                  </p:stCondLst>
+                                  <p:childTnLst>
+                                    <p:set>
+                                      <p:cBhvr>
+                                        <p:cTn id="44" dur="1" fill="hold">
+                                          <p:stCondLst>
+                                            <p:cond delay="0"/>
+                                          </p:stCondLst>
+                                        </p:cTn>
+                                        <p:tgtEl>
+                                          <p:spTgt spid="28"/>
+                                        </p:tgtEl>
+                                        <p:attrNameLst>
+                                          <p:attrName>style.visibility</p:attrName>
+                                        </p:attrNameLst>
+                                      </p:cBhvr>
+                                      <p:to>
+                                        <p:strVal val="visible"/>
+                                      </p:to>
+                                    </p:set>
+                                  </p:childTnLst>
+                                </p:cTn>
+                              </p:par>
+                              <p:par>
+                                <p:cTn id="45" presetID="1" presetClass="exit" presetSubtype="0" fill="hold" nodeType="withEffect">
+                                  <p:stCondLst>
+                                    <p:cond delay="0"/>
+                                  </p:stCondLst>
+                                  <p:childTnLst>
+                                    <p:set>
+                                      <p:cBhvr>
+                                        <p:cTn id="46" dur="1" fill="hold">
+                                          <p:stCondLst>
+                                            <p:cond delay="0"/>
+                                          </p:stCondLst>
+                                        </p:cTn>
+                                        <p:tgtEl>
+                                          <p:spTgt spid="24"/>
+                                        </p:tgtEl>
+                                        <p:attrNameLst>
+                                          <p:attrName>style.visibility</p:attrName>
+                                        </p:attrNameLst>
+                                      </p:cBhvr>
+                                      <p:to>
+                                        <p:strVal val="hidden"/>
+                                      </p:to>
+                                    </p:set>
+                                  </p:childTnLst>
+                                </p:cTn>
+                              </p:par>
+                            </p:childTnLst>
+                          </p:cTn>
+                        </p:par>
+                      </p:childTnLst>
+                    </p:cTn>
+                  </p:par>
+                </p:childTnLst>
+              </p:cTn>
+              <p:prevCondLst>
+                <p:cond evt="onPrev" delay="0">
+                  <p:tgtEl>
+                    <p:sldTgt/>
+                  </p:tgtEl>
+                </p:cond>
+              </p:prevCondLst>
+              <p:nextCondLst>
+                <p:cond evt="onNext" delay="0">
+                  <p:tgtEl>
+                    <p:sldTgt/>
+                  </p:tgtEl>
+                </p:cond>
+              </p:nextCondLst>
+            </p:seq>
+          </p:childTnLst>
+        </p:cTn>
+      </p:par>
+    </p:tnLst>
+  </p:timing>
+</p:sld>
+</file>
+
+<file path=ppt/slides/slide12.xml><?xml version="1.0" encoding="utf-8"?>
+<p:sld xmlns:a="http://schemas.openxmlformats.org/drawingml/2006/main" xmlns:r="http://schemas.openxmlformats.org/officeDocument/2006/relationships" xmlns:p="http://schemas.openxmlformats.org/presentationml/2006/main">
+  <p:cSld>
+    <p:spTree>
+      <p:nvGrpSpPr>
+        <p:cNvPr id="1" name=""/>
+        <p:cNvGrpSpPr/>
+        <p:nvPr/>
+      </p:nvGrpSpPr>
+      <p:grpSpPr>
+        <a:xfrm>
+          <a:off x="0" y="0"/>
+          <a:ext cx="0" cy="0"/>
+          <a:chOff x="0" y="0"/>
+          <a:chExt cx="0" cy="0"/>
+        </a:xfrm>
+      </p:grpSpPr>
+      <p:sp>
+        <p:nvSpPr>
+          <p:cNvPr id="2" name="Slide Number Placeholder 1"/>
+          <p:cNvSpPr>
+            <a:spLocks noGrp="1"/>
+          </p:cNvSpPr>
+          <p:nvPr>
+            <p:ph type="sldNum" sz="quarter" idx="5"/>
+          </p:nvPr>
+        </p:nvSpPr>
+        <p:spPr/>
+        <p:txBody>
+          <a:bodyPr/>
+          <a:lstStyle/>
+          <a:p>
+            <a:fld id="{2BF067CD-8E6B-4360-9AA8-C5DF2A48A6D1}" type="slidenum">
+              <a:rPr lang="en-US" noProof="0" smtClean="0"/>
+              <a:pPr/>
+              <a:t>12</a:t>
+            </a:fld>
+            <a:endParaRPr lang="en-US" noProof="0" dirty="0"/>
+          </a:p>
+        </p:txBody>
+      </p:sp>
+      <p:sp>
+        <p:nvSpPr>
+          <p:cNvPr id="3" name="Text Placeholder 2"/>
+          <p:cNvSpPr>
+            <a:spLocks noGrp="1"/>
+          </p:cNvSpPr>
+          <p:nvPr>
+            <p:ph type="body" sz="quarter" idx="10"/>
+          </p:nvPr>
+        </p:nvSpPr>
+        <p:spPr/>
+        <p:txBody>
+          <a:bodyPr/>
+          <a:lstStyle/>
+          <a:p>
+            <a:r>
+              <a:rPr lang="en-US" smtClean="0"/>
+              <a:t>Todo</a:t>
+            </a:r>
+            <a:endParaRPr lang="en-US"/>
+          </a:p>
+        </p:txBody>
+      </p:sp>
+      <p:sp>
+        <p:nvSpPr>
+          <p:cNvPr id="4" name="Title 3"/>
+          <p:cNvSpPr>
+            <a:spLocks noGrp="1"/>
+          </p:cNvSpPr>
+          <p:nvPr>
+            <p:ph type="title"/>
+          </p:nvPr>
+        </p:nvSpPr>
+        <p:spPr/>
+        <p:txBody>
+          <a:bodyPr/>
+          <a:lstStyle/>
+          <a:p>
+            <a:r>
+              <a:rPr lang="bg-BG" dirty="0" smtClean="0"/>
+              <a:t>Наклоняване на изображение</a:t>
+            </a:r>
+            <a:endParaRPr lang="en-US" dirty="0"/>
+          </a:p>
+        </p:txBody>
+      </p:sp>
+    </p:spTree>
+    <p:extLst>
+      <p:ext uri="{BB962C8B-B14F-4D97-AF65-F5344CB8AC3E}">
+        <p14:creationId xmlns:p14="http://schemas.microsoft.com/office/powerpoint/2010/main" val="244230854"/>
+      </p:ext>
+    </p:extLst>
+  </p:cSld>
+  <p:clrMapOvr>
+    <a:masterClrMapping/>
+  </p:clrMapOvr>
+  <mc:AlternateContent xmlns:mc="http://schemas.openxmlformats.org/markup-compatibility/2006" xmlns:p14="http://schemas.microsoft.com/office/powerpoint/2010/main">
+    <mc:Choice Requires="p14">
+      <p:transition spd="slow" p14:dur="2000" advClick="0" advTm="5000"/>
+    </mc:Choice>
+    <mc:Fallback xmlns="">
+      <p:transition spd="slow" advClick="0" advTm="5000"/>
+    </mc:Fallback>
+  </mc:AlternateContent>
+  <p:timing>
+    <p:tnLst>
+      <p:par>
+        <p:cTn id="1" dur="indefinite" restart="never" nodeType="tmRoot"/>
+      </p:par>
+    </p:tnLst>
+  </p:timing>
+</p:sld>
+</file>
+
+<file path=ppt/slides/slide13.xml><?xml version="1.0" encoding="utf-8"?>
+<p:sld xmlns:a="http://schemas.openxmlformats.org/drawingml/2006/main" xmlns:r="http://schemas.openxmlformats.org/officeDocument/2006/relationships" xmlns:p="http://schemas.openxmlformats.org/presentationml/2006/main">
+  <p:cSld>
+    <p:spTree>
+      <p:nvGrpSpPr>
+        <p:cNvPr id="1" name=""/>
+        <p:cNvGrpSpPr/>
+        <p:nvPr/>
+      </p:nvGrpSpPr>
+      <p:grpSpPr>
+        <a:xfrm>
+          <a:off x="0" y="0"/>
+          <a:ext cx="0" cy="0"/>
+          <a:chOff x="0" y="0"/>
+          <a:chExt cx="0" cy="0"/>
+        </a:xfrm>
+      </p:grpSpPr>
+      <p:sp>
+        <p:nvSpPr>
           <p:cNvPr id="14" name="Text Placeholder 4">
             <a:extLst>
               <a:ext uri="{FF2B5EF4-FFF2-40B4-BE49-F238E27FC236}">
@@ -8190,7 +10280,7 @@
             <a:fld id="{C014DD1E-5D91-48A3-AD6D-45FBA980D106}" type="slidenum">
               <a:rPr lang="en-US" smtClean="0"/>
               <a:pPr/>
-              <a:t>10</a:t>
+              <a:t>13</a:t>
             </a:fld>
             <a:endParaRPr lang="en-US" dirty="0"/>
           </a:p>
@@ -8738,7 +10828,7 @@
 </p:sld>
 </file>
 
-<file path=ppt/slides/slide11.xml><?xml version="1.0" encoding="utf-8"?>
+<file path=ppt/slides/slide14.xml><?xml version="1.0" encoding="utf-8"?>
 <p:sld xmlns:a="http://schemas.openxmlformats.org/drawingml/2006/main" xmlns:r="http://schemas.openxmlformats.org/officeDocument/2006/relationships" xmlns:p="http://schemas.openxmlformats.org/presentationml/2006/main">
   <p:cSld>
     <p:spTree>
@@ -8852,7 +10942,7 @@
                 <a:hlinkClick r:id="rId3">
                   <a:extLst>
                     <a:ext uri="{A12FA001-AC4F-418D-AE19-62706E023703}">
-                      <ahyp:hlinkClr xmlns="" xmlns:ahyp="http://schemas.microsoft.com/office/drawing/2018/hyperlinkcolor" val="tx"/>
+                      <ahyp:hlinkClr xmlns:ahyp="http://schemas.microsoft.com/office/drawing/2018/hyperlinkcolor" xmlns="" val="tx"/>
                     </a:ext>
                   </a:extLst>
                 </a:hlinkClick>
@@ -8935,7 +11025,7 @@
 </p:sld>
 </file>
 
-<file path=ppt/slides/slide12.xml><?xml version="1.0" encoding="utf-8"?>
+<file path=ppt/slides/slide15.xml><?xml version="1.0" encoding="utf-8"?>
 <p:sld xmlns:a="http://schemas.openxmlformats.org/drawingml/2006/main" xmlns:r="http://schemas.openxmlformats.org/officeDocument/2006/relationships" xmlns:p="http://schemas.openxmlformats.org/presentationml/2006/main">
   <p:cSld>
     <p:spTree>
@@ -8988,7 +11078,7 @@
             <a:fld id="{2BF067CD-8E6B-4360-9AA8-C5DF2A48A6D1}" type="slidenum">
               <a:rPr lang="en-US" smtClean="0"/>
               <a:pPr/>
-              <a:t>12</a:t>
+              <a:t>15</a:t>
             </a:fld>
             <a:endParaRPr lang="en-US" dirty="0"/>
           </a:p>
@@ -9494,7 +11584,44 @@
           <a:p>
             <a:r>
               <a:rPr lang="bg-BG" dirty="0" smtClean="0"/>
-              <a:t>͏Въвеждане на текст</a:t>
+              <a:t>͏Въвеждане на </a:t>
+            </a:r>
+            <a:r>
+              <a:rPr lang="bg-BG" dirty="0" smtClean="0"/>
+              <a:t>текст</a:t>
+            </a:r>
+          </a:p>
+          <a:p>
+            <a:r>
+              <a:rPr lang="bg-BG" dirty="0" smtClean="0"/>
+              <a:t>Пробразуване на графично изображение</a:t>
+            </a:r>
+          </a:p>
+          <a:p>
+            <a:pPr lvl="1"/>
+            <a:r>
+              <a:rPr lang="bg-BG" dirty="0" smtClean="0"/>
+              <a:t>Завъртане и обръщане на изображение</a:t>
+            </a:r>
+          </a:p>
+          <a:p>
+            <a:pPr lvl="1"/>
+            <a:r>
+              <a:rPr lang="bg-BG" dirty="0" smtClean="0"/>
+              <a:t>Наклоняване на изображение</a:t>
+            </a:r>
+          </a:p>
+          <a:p>
+            <a:pPr lvl="1"/>
+            <a:r>
+              <a:rPr lang="bg-BG" dirty="0" smtClean="0"/>
+              <a:t>Изрязване на изображение</a:t>
+            </a:r>
+          </a:p>
+          <a:p>
+            <a:r>
+              <a:rPr lang="bg-BG" dirty="0" smtClean="0"/>
+              <a:t>Отпечатване на изображение</a:t>
             </a:r>
             <a:endParaRPr lang="bg-BG" dirty="0" smtClean="0"/>
           </a:p>
@@ -9577,76 +11704,6 @@
           </a:prstGeom>
         </p:spPr>
       </p:pic>
-      <p:sp>
-        <p:nvSpPr>
-          <p:cNvPr id="2" name="Rectangle 1"/>
-          <p:cNvSpPr/>
-          <p:nvPr/>
-        </p:nvSpPr>
-        <p:spPr bwMode="auto">
-          <a:xfrm>
-            <a:off x="3666000" y="3069000"/>
-            <a:ext cx="5220000" cy="2700000"/>
-          </a:xfrm>
-          <a:prstGeom prst="rect">
-            <a:avLst/>
-          </a:prstGeom>
-          <a:ln/>
-        </p:spPr>
-        <p:style>
-          <a:lnRef idx="3">
-            <a:schemeClr val="lt1"/>
-          </a:lnRef>
-          <a:fillRef idx="1">
-            <a:schemeClr val="accent1"/>
-          </a:fillRef>
-          <a:effectRef idx="1">
-            <a:schemeClr val="accent1"/>
-          </a:effectRef>
-          <a:fontRef idx="minor">
-            <a:schemeClr val="lt1"/>
-          </a:fontRef>
-        </p:style>
-        <p:txBody>
-          <a:bodyPr rot="0" spcFirstLastPara="0" vertOverflow="overflow" horzOverflow="overflow" vert="horz" wrap="square" lIns="91440" tIns="45720" rIns="91440" bIns="45720" numCol="1" spcCol="0" rtlCol="0" fromWordArt="0" anchor="ctr" anchorCtr="0" forceAA="0" compatLnSpc="1">
-            <a:prstTxWarp prst="textNoShape">
-              <a:avLst/>
-            </a:prstTxWarp>
-            <a:noAutofit/>
-          </a:bodyPr>
-          <a:lstStyle/>
-          <a:p>
-            <a:pPr algn="ctr"/>
-            <a:r>
-              <a:rPr lang="bg-BG" sz="2800" b="1" dirty="0" smtClean="0">
-                <a:solidFill>
-                  <a:srgbClr val="FFFFFF"/>
-                </a:solidFill>
-                <a:effectLst>
-                  <a:outerShdw blurRad="38100" dist="38100" dir="2700000" algn="tl">
-                    <a:srgbClr val="000000">
-                      <a:alpha val="43137"/>
-                    </a:srgbClr>
-                  </a:outerShdw>
-                </a:effectLst>
-              </a:rPr>
-              <a:t>Добавяне на следващ урок в този (твърде кратко става, оправяне на заглавия)</a:t>
-            </a:r>
-            <a:endParaRPr lang="en-US" sz="2800" b="1" dirty="0">
-              <a:solidFill>
-                <a:srgbClr val="FFFFFF"/>
-              </a:solidFill>
-              <a:effectLst>
-                <a:outerShdw blurRad="38100" dist="38100" dir="2700000" algn="tl">
-                  <a:srgbClr val="000000">
-                    <a:alpha val="43137"/>
-                  </a:srgbClr>
-                </a:outerShdw>
-              </a:effectLst>
-            </a:endParaRPr>
-          </a:p>
-        </p:txBody>
-      </p:sp>
     </p:spTree>
     <p:extLst>
       <p:ext uri="{BB962C8B-B14F-4D97-AF65-F5344CB8AC3E}">
